--- a/Presentations/2. Starting with Arduino.pptx
+++ b/Presentations/2. Starting with Arduino.pptx
@@ -238,7 +238,7 @@
             <a:fld id="{E8344799-5868-49D2-AD82-4644A8112B37}" type="datetimeFigureOut">
               <a:rPr lang="en-GB" smtClean="0"/>
               <a:pPr/>
-              <a:t>26/02/2017</a:t>
+              <a:t>27/02/2017</a:t>
             </a:fld>
             <a:endParaRPr lang="en-GB"/>
           </a:p>
@@ -407,6 +407,11 @@
         </p:txBody>
       </p:sp>
     </p:spTree>
+    <p:extLst>
+      <p:ext uri="{BB962C8B-B14F-4D97-AF65-F5344CB8AC3E}">
+        <p14:creationId xmlns:p14="http://schemas.microsoft.com/office/powerpoint/2010/main" val="3226552643"/>
+      </p:ext>
+    </p:extLst>
   </p:cSld>
   <p:clrMap bg1="lt1" tx1="dk1" bg2="lt2" tx2="dk2" accent1="accent1" accent2="accent2" accent3="accent3" accent4="accent4" accent5="accent5" accent6="accent6" hlink="hlink" folHlink="folHlink"/>
   <p:notesStyle>
@@ -589,6 +594,11 @@
         </p:txBody>
       </p:sp>
     </p:spTree>
+    <p:extLst>
+      <p:ext uri="{BB962C8B-B14F-4D97-AF65-F5344CB8AC3E}">
+        <p14:creationId xmlns:p14="http://schemas.microsoft.com/office/powerpoint/2010/main" val="4154781496"/>
+      </p:ext>
+    </p:extLst>
   </p:cSld>
   <p:clrMapOvr>
     <a:masterClrMapping/>
@@ -694,6 +704,11 @@
         </p:txBody>
       </p:sp>
     </p:spTree>
+    <p:extLst>
+      <p:ext uri="{BB962C8B-B14F-4D97-AF65-F5344CB8AC3E}">
+        <p14:creationId xmlns:p14="http://schemas.microsoft.com/office/powerpoint/2010/main" val="2096363919"/>
+      </p:ext>
+    </p:extLst>
   </p:cSld>
   <p:clrMapOvr>
     <a:masterClrMapping/>
@@ -786,6 +801,11 @@
         </p:txBody>
       </p:sp>
     </p:spTree>
+    <p:extLst>
+      <p:ext uri="{BB962C8B-B14F-4D97-AF65-F5344CB8AC3E}">
+        <p14:creationId xmlns:p14="http://schemas.microsoft.com/office/powerpoint/2010/main" val="2651507507"/>
+      </p:ext>
+    </p:extLst>
   </p:cSld>
   <p:clrMapOvr>
     <a:masterClrMapping/>
@@ -878,6 +898,11 @@
         </p:txBody>
       </p:sp>
     </p:spTree>
+    <p:extLst>
+      <p:ext uri="{BB962C8B-B14F-4D97-AF65-F5344CB8AC3E}">
+        <p14:creationId xmlns:p14="http://schemas.microsoft.com/office/powerpoint/2010/main" val="1959961385"/>
+      </p:ext>
+    </p:extLst>
   </p:cSld>
   <p:clrMapOvr>
     <a:masterClrMapping/>
@@ -984,6 +1009,11 @@
         </p:txBody>
       </p:sp>
     </p:spTree>
+    <p:extLst>
+      <p:ext uri="{BB962C8B-B14F-4D97-AF65-F5344CB8AC3E}">
+        <p14:creationId xmlns:p14="http://schemas.microsoft.com/office/powerpoint/2010/main" val="1737314718"/>
+      </p:ext>
+    </p:extLst>
   </p:cSld>
   <p:clrMapOvr>
     <a:masterClrMapping/>
@@ -1076,6 +1106,11 @@
         </p:txBody>
       </p:sp>
     </p:spTree>
+    <p:extLst>
+      <p:ext uri="{BB962C8B-B14F-4D97-AF65-F5344CB8AC3E}">
+        <p14:creationId xmlns:p14="http://schemas.microsoft.com/office/powerpoint/2010/main" val="3069020518"/>
+      </p:ext>
+    </p:extLst>
   </p:cSld>
   <p:clrMapOvr>
     <a:masterClrMapping/>
@@ -1180,6 +1215,11 @@
         </p:txBody>
       </p:sp>
     </p:spTree>
+    <p:extLst>
+      <p:ext uri="{BB962C8B-B14F-4D97-AF65-F5344CB8AC3E}">
+        <p14:creationId xmlns:p14="http://schemas.microsoft.com/office/powerpoint/2010/main" val="3312706559"/>
+      </p:ext>
+    </p:extLst>
   </p:cSld>
   <p:clrMapOvr>
     <a:masterClrMapping/>
@@ -1316,6 +1356,11 @@
         </p:txBody>
       </p:sp>
     </p:spTree>
+    <p:extLst>
+      <p:ext uri="{BB962C8B-B14F-4D97-AF65-F5344CB8AC3E}">
+        <p14:creationId xmlns:p14="http://schemas.microsoft.com/office/powerpoint/2010/main" val="3481320358"/>
+      </p:ext>
+    </p:extLst>
   </p:cSld>
   <p:clrMapOvr>
     <a:masterClrMapping/>
@@ -1436,6 +1481,11 @@
         </p:txBody>
       </p:sp>
     </p:spTree>
+    <p:extLst>
+      <p:ext uri="{BB962C8B-B14F-4D97-AF65-F5344CB8AC3E}">
+        <p14:creationId xmlns:p14="http://schemas.microsoft.com/office/powerpoint/2010/main" val="1800567628"/>
+      </p:ext>
+    </p:extLst>
   </p:cSld>
   <p:clrMapOvr>
     <a:masterClrMapping/>
@@ -1602,6 +1652,11 @@
         </p:txBody>
       </p:sp>
     </p:spTree>
+    <p:extLst>
+      <p:ext uri="{BB962C8B-B14F-4D97-AF65-F5344CB8AC3E}">
+        <p14:creationId xmlns:p14="http://schemas.microsoft.com/office/powerpoint/2010/main" val="1017993813"/>
+      </p:ext>
+    </p:extLst>
   </p:cSld>
   <p:clrMapOvr>
     <a:masterClrMapping/>
@@ -1707,6 +1762,11 @@
         </p:txBody>
       </p:sp>
     </p:spTree>
+    <p:extLst>
+      <p:ext uri="{BB962C8B-B14F-4D97-AF65-F5344CB8AC3E}">
+        <p14:creationId xmlns:p14="http://schemas.microsoft.com/office/powerpoint/2010/main" val="1002097960"/>
+      </p:ext>
+    </p:extLst>
   </p:cSld>
   <p:clrMapOvr>
     <a:masterClrMapping/>
@@ -1896,7 +1956,7 @@
             <a:fld id="{AE7C189C-DABB-4F6C-A09B-62D5553FEE51}" type="datetimeFigureOut">
               <a:rPr lang="en-GB" smtClean="0"/>
               <a:pPr/>
-              <a:t>26/02/2017</a:t>
+              <a:t>27/02/2017</a:t>
             </a:fld>
             <a:endParaRPr lang="en-GB"/>
           </a:p>
@@ -2070,7 +2130,7 @@
             <a:fld id="{AE7C189C-DABB-4F6C-A09B-62D5553FEE51}" type="datetimeFigureOut">
               <a:rPr lang="en-GB" smtClean="0"/>
               <a:pPr/>
-              <a:t>26/02/2017</a:t>
+              <a:t>27/02/2017</a:t>
             </a:fld>
             <a:endParaRPr lang="en-GB"/>
           </a:p>
@@ -2247,7 +2307,7 @@
             <a:fld id="{AE7C189C-DABB-4F6C-A09B-62D5553FEE51}" type="datetimeFigureOut">
               <a:rPr lang="en-GB" smtClean="0"/>
               <a:pPr/>
-              <a:t>26/02/2017</a:t>
+              <a:t>27/02/2017</a:t>
             </a:fld>
             <a:endParaRPr lang="en-GB"/>
           </a:p>
@@ -2414,7 +2474,7 @@
             <a:fld id="{AE7C189C-DABB-4F6C-A09B-62D5553FEE51}" type="datetimeFigureOut">
               <a:rPr lang="en-GB" smtClean="0"/>
               <a:pPr/>
-              <a:t>26/02/2017</a:t>
+              <a:t>27/02/2017</a:t>
             </a:fld>
             <a:endParaRPr lang="en-GB"/>
           </a:p>
@@ -2664,7 +2724,7 @@
             <a:fld id="{AE7C189C-DABB-4F6C-A09B-62D5553FEE51}" type="datetimeFigureOut">
               <a:rPr lang="en-GB" smtClean="0"/>
               <a:pPr/>
-              <a:t>26/02/2017</a:t>
+              <a:t>27/02/2017</a:t>
             </a:fld>
             <a:endParaRPr lang="en-GB"/>
           </a:p>
@@ -2949,7 +3009,7 @@
             <a:fld id="{AE7C189C-DABB-4F6C-A09B-62D5553FEE51}" type="datetimeFigureOut">
               <a:rPr lang="en-GB" smtClean="0"/>
               <a:pPr/>
-              <a:t>26/02/2017</a:t>
+              <a:t>27/02/2017</a:t>
             </a:fld>
             <a:endParaRPr lang="en-GB"/>
           </a:p>
@@ -3394,7 +3454,7 @@
             <a:fld id="{AE7C189C-DABB-4F6C-A09B-62D5553FEE51}" type="datetimeFigureOut">
               <a:rPr lang="en-GB" smtClean="0"/>
               <a:pPr/>
-              <a:t>26/02/2017</a:t>
+              <a:t>27/02/2017</a:t>
             </a:fld>
             <a:endParaRPr lang="en-GB"/>
           </a:p>
@@ -3509,7 +3569,7 @@
             <a:fld id="{AE7C189C-DABB-4F6C-A09B-62D5553FEE51}" type="datetimeFigureOut">
               <a:rPr lang="en-GB" smtClean="0"/>
               <a:pPr/>
-              <a:t>26/02/2017</a:t>
+              <a:t>27/02/2017</a:t>
             </a:fld>
             <a:endParaRPr lang="en-GB"/>
           </a:p>
@@ -3627,7 +3687,7 @@
             <a:fld id="{AE7C189C-DABB-4F6C-A09B-62D5553FEE51}" type="datetimeFigureOut">
               <a:rPr lang="en-GB" smtClean="0"/>
               <a:pPr/>
-              <a:t>26/02/2017</a:t>
+              <a:t>27/02/2017</a:t>
             </a:fld>
             <a:endParaRPr lang="en-GB"/>
           </a:p>
@@ -3901,7 +3961,7 @@
             <a:fld id="{AE7C189C-DABB-4F6C-A09B-62D5553FEE51}" type="datetimeFigureOut">
               <a:rPr lang="en-GB" smtClean="0"/>
               <a:pPr/>
-              <a:t>26/02/2017</a:t>
+              <a:t>27/02/2017</a:t>
             </a:fld>
             <a:endParaRPr lang="en-GB"/>
           </a:p>
@@ -4151,7 +4211,7 @@
             <a:fld id="{AE7C189C-DABB-4F6C-A09B-62D5553FEE51}" type="datetimeFigureOut">
               <a:rPr lang="en-GB" smtClean="0"/>
               <a:pPr/>
-              <a:t>26/02/2017</a:t>
+              <a:t>27/02/2017</a:t>
             </a:fld>
             <a:endParaRPr lang="en-GB"/>
           </a:p>
@@ -4361,7 +4421,7 @@
             <a:fld id="{AE7C189C-DABB-4F6C-A09B-62D5553FEE51}" type="datetimeFigureOut">
               <a:rPr lang="en-GB" smtClean="0"/>
               <a:pPr/>
-              <a:t>26/02/2017</a:t>
+              <a:t>27/02/2017</a:t>
             </a:fld>
             <a:endParaRPr lang="en-GB"/>
           </a:p>
